--- a/프로젝트_기획서.pptx
+++ b/프로젝트_기획서.pptx
@@ -220,7 +220,7 @@
           <a:p>
             <a:fld id="{C1B56F05-A8E0-4586-BE8C-E23DF067A153}" type="datetimeFigureOut">
               <a:rPr lang="ko-KR" altLang="en-US" smtClean="0"/>
-              <a:t>2020-07-15</a:t>
+              <a:t>2022-07-21</a:t>
             </a:fld>
             <a:endParaRPr lang="ko-KR" altLang="en-US"/>
           </a:p>
@@ -634,7 +634,7 @@
           <a:p>
             <a:fld id="{3436D534-A142-4125-97AB-D5FFC7B389AB}" type="datetime1">
               <a:rPr lang="ko-KR" altLang="en-US" smtClean="0"/>
-              <a:t>2020-07-15</a:t>
+              <a:t>2022-07-21</a:t>
             </a:fld>
             <a:endParaRPr lang="ko-KR" altLang="en-US"/>
           </a:p>
@@ -832,7 +832,7 @@
           <a:p>
             <a:fld id="{5A42CE43-7013-49DC-B30D-CA61269ACD51}" type="datetime1">
               <a:rPr lang="ko-KR" altLang="en-US" smtClean="0"/>
-              <a:t>2020-07-15</a:t>
+              <a:t>2022-07-21</a:t>
             </a:fld>
             <a:endParaRPr lang="ko-KR" altLang="en-US"/>
           </a:p>
@@ -1040,7 +1040,7 @@
           <a:p>
             <a:fld id="{E529F80D-BC48-41A4-B0A6-082A381924F5}" type="datetime1">
               <a:rPr lang="ko-KR" altLang="en-US" smtClean="0"/>
-              <a:t>2020-07-15</a:t>
+              <a:t>2022-07-21</a:t>
             </a:fld>
             <a:endParaRPr lang="ko-KR" altLang="en-US"/>
           </a:p>
@@ -1238,7 +1238,7 @@
           <a:p>
             <a:fld id="{5C780D03-FCAE-43D7-98AA-80824D90807B}" type="datetime1">
               <a:rPr lang="ko-KR" altLang="en-US" smtClean="0"/>
-              <a:t>2020-07-15</a:t>
+              <a:t>2022-07-21</a:t>
             </a:fld>
             <a:endParaRPr lang="ko-KR" altLang="en-US"/>
           </a:p>
@@ -1513,7 +1513,7 @@
           <a:p>
             <a:fld id="{4CE2BCE0-6058-47B0-AA02-9DA328968EA1}" type="datetime1">
               <a:rPr lang="ko-KR" altLang="en-US" smtClean="0"/>
-              <a:t>2020-07-15</a:t>
+              <a:t>2022-07-21</a:t>
             </a:fld>
             <a:endParaRPr lang="ko-KR" altLang="en-US"/>
           </a:p>
@@ -1778,7 +1778,7 @@
           <a:p>
             <a:fld id="{C7DBFDE0-DA77-4B87-9941-7381CD86A207}" type="datetime1">
               <a:rPr lang="ko-KR" altLang="en-US" smtClean="0"/>
-              <a:t>2020-07-15</a:t>
+              <a:t>2022-07-21</a:t>
             </a:fld>
             <a:endParaRPr lang="ko-KR" altLang="en-US"/>
           </a:p>
@@ -2190,7 +2190,7 @@
           <a:p>
             <a:fld id="{0927F99A-0C2F-41BE-A355-38FCAE16D127}" type="datetime1">
               <a:rPr lang="ko-KR" altLang="en-US" smtClean="0"/>
-              <a:t>2020-07-15</a:t>
+              <a:t>2022-07-21</a:t>
             </a:fld>
             <a:endParaRPr lang="ko-KR" altLang="en-US"/>
           </a:p>
@@ -2331,7 +2331,7 @@
           <a:p>
             <a:fld id="{253682AB-2743-4DC8-8575-51BE6825162D}" type="datetime1">
               <a:rPr lang="ko-KR" altLang="en-US" smtClean="0"/>
-              <a:t>2020-07-15</a:t>
+              <a:t>2022-07-21</a:t>
             </a:fld>
             <a:endParaRPr lang="ko-KR" altLang="en-US"/>
           </a:p>
@@ -2444,7 +2444,7 @@
           <a:p>
             <a:fld id="{DB4D71C1-F78F-4071-8BCE-4E48D6B4BB52}" type="datetime1">
               <a:rPr lang="ko-KR" altLang="en-US" smtClean="0"/>
-              <a:t>2020-07-15</a:t>
+              <a:t>2022-07-21</a:t>
             </a:fld>
             <a:endParaRPr lang="ko-KR" altLang="en-US"/>
           </a:p>
@@ -2755,7 +2755,7 @@
           <a:p>
             <a:fld id="{4089575F-8F81-4CA4-8451-9AB0C172CDAC}" type="datetime1">
               <a:rPr lang="ko-KR" altLang="en-US" smtClean="0"/>
-              <a:t>2020-07-15</a:t>
+              <a:t>2022-07-21</a:t>
             </a:fld>
             <a:endParaRPr lang="ko-KR" altLang="en-US"/>
           </a:p>
@@ -3043,7 +3043,7 @@
           <a:p>
             <a:fld id="{D9A69289-EE93-4FC7-AD33-83D6B21AC3A1}" type="datetime1">
               <a:rPr lang="ko-KR" altLang="en-US" smtClean="0"/>
-              <a:t>2020-07-15</a:t>
+              <a:t>2022-07-21</a:t>
             </a:fld>
             <a:endParaRPr lang="ko-KR" altLang="en-US"/>
           </a:p>
@@ -3284,7 +3284,7 @@
           <a:p>
             <a:fld id="{AEE10A12-FEA8-4200-9156-9740D7F72C1C}" type="datetime1">
               <a:rPr lang="ko-KR" altLang="en-US" smtClean="0"/>
-              <a:t>2020-07-15</a:t>
+              <a:t>2022-07-21</a:t>
             </a:fld>
             <a:endParaRPr lang="ko-KR" altLang="en-US"/>
           </a:p>
